--- a/presentations/13 - TDD - Quando nao usar.pptx
+++ b/presentations/13 - TDD - Quando nao usar.pptx
@@ -229,7 +229,7 @@
             <a:fld id="{9DEF996C-CA2C-436E-A903-7F2E7C68ADF8}" type="datetimeFigureOut">
               <a:rPr lang="en-US" smtClean="0"/>
               <a:pPr/>
-              <a:t>7/6/2020</a:t>
+              <a:t>7/20/2020</a:t>
             </a:fld>
             <a:endParaRPr lang="en-US"/>
           </a:p>
@@ -396,7 +396,7 @@
             <a:fld id="{56D6514A-F4CA-40F5-B508-6CC5FEA6DD64}" type="datetimeFigureOut">
               <a:rPr lang="en-US" smtClean="0"/>
               <a:pPr/>
-              <a:t>7/6/2020</a:t>
+              <a:t>7/20/2020</a:t>
             </a:fld>
             <a:endParaRPr lang="en-US"/>
           </a:p>
@@ -856,7 +856,7 @@
           <a:p>
             <a:fld id="{0A0255A0-EE2B-6E49-A611-C16850102233}" type="datetimeFigureOut">
               <a:rPr lang="en-US" smtClean="0"/>
-              <a:t>7/6/2020</a:t>
+              <a:t>7/20/2020</a:t>
             </a:fld>
             <a:endParaRPr lang="en-US"/>
           </a:p>
@@ -1050,7 +1050,7 @@
           <a:p>
             <a:fld id="{0A0255A0-EE2B-6E49-A611-C16850102233}" type="datetimeFigureOut">
               <a:rPr lang="en-US" smtClean="0"/>
-              <a:t>7/6/2020</a:t>
+              <a:t>7/20/2020</a:t>
             </a:fld>
             <a:endParaRPr lang="en-US"/>
           </a:p>
@@ -1254,7 +1254,7 @@
           <a:p>
             <a:fld id="{0A0255A0-EE2B-6E49-A611-C16850102233}" type="datetimeFigureOut">
               <a:rPr lang="en-US" smtClean="0"/>
-              <a:t>7/6/2020</a:t>
+              <a:t>7/20/2020</a:t>
             </a:fld>
             <a:endParaRPr lang="en-US"/>
           </a:p>
@@ -3260,7 +3260,7 @@
           <a:p>
             <a:fld id="{0A0255A0-EE2B-6E49-A611-C16850102233}" type="datetimeFigureOut">
               <a:rPr lang="en-US" smtClean="0"/>
-              <a:t>7/6/2020</a:t>
+              <a:t>7/20/2020</a:t>
             </a:fld>
             <a:endParaRPr lang="en-US"/>
           </a:p>
@@ -3530,7 +3530,7 @@
           <a:p>
             <a:fld id="{0A0255A0-EE2B-6E49-A611-C16850102233}" type="datetimeFigureOut">
               <a:rPr lang="en-US" smtClean="0"/>
-              <a:t>7/6/2020</a:t>
+              <a:t>7/20/2020</a:t>
             </a:fld>
             <a:endParaRPr lang="en-US"/>
           </a:p>
@@ -3842,7 +3842,7 @@
           <a:p>
             <a:fld id="{0A0255A0-EE2B-6E49-A611-C16850102233}" type="datetimeFigureOut">
               <a:rPr lang="en-US" smtClean="0"/>
-              <a:t>7/6/2020</a:t>
+              <a:t>7/20/2020</a:t>
             </a:fld>
             <a:endParaRPr lang="en-US"/>
           </a:p>
@@ -4288,7 +4288,7 @@
           <a:p>
             <a:fld id="{0A0255A0-EE2B-6E49-A611-C16850102233}" type="datetimeFigureOut">
               <a:rPr lang="en-US" smtClean="0"/>
-              <a:t>7/6/2020</a:t>
+              <a:t>7/20/2020</a:t>
             </a:fld>
             <a:endParaRPr lang="en-US"/>
           </a:p>
@@ -4430,7 +4430,7 @@
           <a:p>
             <a:fld id="{0A0255A0-EE2B-6E49-A611-C16850102233}" type="datetimeFigureOut">
               <a:rPr lang="en-US" smtClean="0"/>
-              <a:t>7/6/2020</a:t>
+              <a:t>7/20/2020</a:t>
             </a:fld>
             <a:endParaRPr lang="en-US"/>
           </a:p>
@@ -4549,7 +4549,7 @@
           <a:p>
             <a:fld id="{0A0255A0-EE2B-6E49-A611-C16850102233}" type="datetimeFigureOut">
               <a:rPr lang="en-US" smtClean="0"/>
-              <a:t>7/6/2020</a:t>
+              <a:t>7/20/2020</a:t>
             </a:fld>
             <a:endParaRPr lang="en-US"/>
           </a:p>
@@ -4850,7 +4850,7 @@
           <a:p>
             <a:fld id="{0A0255A0-EE2B-6E49-A611-C16850102233}" type="datetimeFigureOut">
               <a:rPr lang="en-US" smtClean="0"/>
-              <a:t>7/6/2020</a:t>
+              <a:t>7/20/2020</a:t>
             </a:fld>
             <a:endParaRPr lang="en-US"/>
           </a:p>
@@ -5127,7 +5127,7 @@
           <a:p>
             <a:fld id="{0A0255A0-EE2B-6E49-A611-C16850102233}" type="datetimeFigureOut">
               <a:rPr lang="en-US" smtClean="0"/>
-              <a:t>7/6/2020</a:t>
+              <a:t>7/20/2020</a:t>
             </a:fld>
             <a:endParaRPr lang="en-US"/>
           </a:p>
@@ -6658,7 +6658,7 @@
                 <a:latin typeface="Segoe UI" panose="020B0502040204020203" pitchFamily="34" charset="0"/>
                 <a:cs typeface="Segoe UI" panose="020B0502040204020203" pitchFamily="34" charset="0"/>
               </a:rPr>
-              <a:t>TDD – Quando não usar</a:t>
+              <a:t>TDD – Quando não é a melhor alternativa</a:t>
             </a:r>
             <a:endParaRPr lang="en-US" sz="3600" dirty="0">
               <a:solidFill>
@@ -8532,37 +8532,28 @@
               </a:rPr>
             </a:br>
             <a:br>
-              <a:rPr lang="pt-BR" dirty="0">
+              <a:rPr lang="pt-BR">
                 <a:latin typeface="Segoe UI" panose="020B0502040204020203" pitchFamily="34" charset="0"/>
                 <a:cs typeface="Segoe UI" panose="020B0502040204020203" pitchFamily="34" charset="0"/>
               </a:rPr>
             </a:br>
             <a:r>
-              <a:rPr lang="pt-BR" sz="2000" dirty="0">
+              <a:rPr lang="pt-BR" sz="2000">
                 <a:solidFill>
                   <a:schemeClr val="accent1"/>
                 </a:solidFill>
                 <a:latin typeface="Segoe UI" panose="020B0502040204020203" pitchFamily="34" charset="0"/>
                 <a:cs typeface="Segoe UI" panose="020B0502040204020203" pitchFamily="34" charset="0"/>
               </a:rPr>
-              <a:t>prestador-paulo.kolbe@b3.com.br/</a:t>
-            </a:r>
-            <a:br>
-              <a:rPr lang="pt-BR" sz="2000" dirty="0">
-                <a:latin typeface="Segoe UI" panose="020B0502040204020203" pitchFamily="34" charset="0"/>
-                <a:cs typeface="Segoe UI" panose="020B0502040204020203" pitchFamily="34" charset="0"/>
-              </a:rPr>
-            </a:br>
-            <a:r>
-              <a:rPr lang="pt-BR" sz="2000" dirty="0">
-                <a:solidFill>
-                  <a:schemeClr val="accent1"/>
-                </a:solidFill>
-                <a:latin typeface="Segoe UI" panose="020B0502040204020203" pitchFamily="34" charset="0"/>
-                <a:cs typeface="Segoe UI" panose="020B0502040204020203" pitchFamily="34" charset="0"/>
-              </a:rPr>
-              <a:t>paulo.kolbe@gft.com</a:t>
-            </a:r>
+              <a:t>lace@b3.com.br</a:t>
+            </a:r>
+            <a:endParaRPr lang="pt-BR" sz="2000" dirty="0">
+              <a:solidFill>
+                <a:schemeClr val="accent1"/>
+              </a:solidFill>
+              <a:latin typeface="Segoe UI" panose="020B0502040204020203" pitchFamily="34" charset="0"/>
+              <a:cs typeface="Segoe UI" panose="020B0502040204020203" pitchFamily="34" charset="0"/>
+            </a:endParaRPr>
           </a:p>
         </p:txBody>
       </p:sp>
@@ -9553,6 +9544,15 @@
 </file>
 
 <file path=customXml/item1.xml><?xml version="1.0" encoding="utf-8"?>
+<?mso-contentType ?>
+<FormTemplates xmlns="http://schemas.microsoft.com/sharepoint/v3/contenttype/forms">
+  <Display>DocumentLibraryForm</Display>
+  <Edit>DocumentLibraryForm</Edit>
+  <New>DocumentLibraryForm</New>
+</FormTemplates>
+</file>
+
+<file path=customXml/item2.xml><?xml version="1.0" encoding="utf-8"?>
 <p:properties xmlns:p="http://schemas.microsoft.com/office/2006/metadata/properties" xmlns:xsi="http://www.w3.org/2001/XMLSchema-instance" xmlns:pc="http://schemas.microsoft.com/office/infopath/2007/PartnerControls">
   <documentManagement>
     <PublishingExpirationDate xmlns="http://schemas.microsoft.com/sharepoint/v3" xsi:nil="true"/>
@@ -9561,7 +9561,7 @@
 </p:properties>
 </file>
 
-<file path=customXml/item2.xml><?xml version="1.0" encoding="utf-8"?>
+<file path=customXml/item3.xml><?xml version="1.0" encoding="utf-8"?>
 <ct:contentTypeSchema xmlns:ct="http://schemas.microsoft.com/office/2006/metadata/contentType" xmlns:ma="http://schemas.microsoft.com/office/2006/metadata/properties/metaAttributes" ct:_="" ma:_="" ma:contentTypeName="Documento" ma:contentTypeID="0x0101001996EFEF7D0459479C2B077F9CC506F4" ma:contentTypeVersion="10" ma:contentTypeDescription="Crie um novo documento." ma:contentTypeScope="" ma:versionID="43cd10b64f265b7dd32059be640333a9">
   <xsd:schema xmlns:xsd="http://www.w3.org/2001/XMLSchema" xmlns:xs="http://www.w3.org/2001/XMLSchema" xmlns:p="http://schemas.microsoft.com/office/2006/metadata/properties" xmlns:ns1="http://schemas.microsoft.com/sharepoint/v3" xmlns:ns2="80facd6c-f04a-426f-adbd-b3840a7840bd" xmlns:ns3="d33496c5-bd94-446e-a363-fca1fec0d15a" targetNamespace="http://schemas.microsoft.com/office/2006/metadata/properties" ma:root="true" ma:fieldsID="0d6b128c5ce9545d0d2912f9a975af95" ns1:_="" ns2:_="" ns3:_="">
     <xsd:import namespace="http://schemas.microsoft.com/sharepoint/v3"/>
@@ -9775,16 +9775,15 @@
 </ct:contentTypeSchema>
 </file>
 
-<file path=customXml/item3.xml><?xml version="1.0" encoding="utf-8"?>
-<?mso-contentType ?>
-<FormTemplates xmlns="http://schemas.microsoft.com/sharepoint/v3/contenttype/forms">
-  <Display>DocumentLibraryForm</Display>
-  <Edit>DocumentLibraryForm</Edit>
-  <New>DocumentLibraryForm</New>
-</FormTemplates>
+<file path=customXml/itemProps1.xml><?xml version="1.0" encoding="utf-8"?>
+<ds:datastoreItem xmlns:ds="http://schemas.openxmlformats.org/officeDocument/2006/customXml" ds:itemID="{98DACE87-CD74-4C35-ADF8-12B4276F2F66}">
+  <ds:schemaRefs>
+    <ds:schemaRef ds:uri="http://schemas.microsoft.com/sharepoint/v3/contenttype/forms"/>
+  </ds:schemaRefs>
+</ds:datastoreItem>
 </file>
 
-<file path=customXml/itemProps1.xml><?xml version="1.0" encoding="utf-8"?>
+<file path=customXml/itemProps2.xml><?xml version="1.0" encoding="utf-8"?>
 <ds:datastoreItem xmlns:ds="http://schemas.openxmlformats.org/officeDocument/2006/customXml" ds:itemID="{BEF3FD83-2601-46A9-AA9B-655B326F1C5E}">
   <ds:schemaRefs>
     <ds:schemaRef ds:uri="http://schemas.microsoft.com/office/2006/metadata/properties"/>
@@ -9794,7 +9793,7 @@
 </ds:datastoreItem>
 </file>
 
-<file path=customXml/itemProps2.xml><?xml version="1.0" encoding="utf-8"?>
+<file path=customXml/itemProps3.xml><?xml version="1.0" encoding="utf-8"?>
 <ds:datastoreItem xmlns:ds="http://schemas.openxmlformats.org/officeDocument/2006/customXml" ds:itemID="{AB30B8D0-9C02-4061-951A-8B7B3A86F5B0}">
   <ds:schemaRefs>
     <ds:schemaRef ds:uri="http://schemas.microsoft.com/office/2006/metadata/contentType"/>
@@ -9812,12 +9811,4 @@
     <ds:schemaRef ds:uri="http://schemas.microsoft.com/internal/obd"/>
   </ds:schemaRefs>
 </ds:datastoreItem>
-</file>
-
-<file path=customXml/itemProps3.xml><?xml version="1.0" encoding="utf-8"?>
-<ds:datastoreItem xmlns:ds="http://schemas.openxmlformats.org/officeDocument/2006/customXml" ds:itemID="{98DACE87-CD74-4C35-ADF8-12B4276F2F66}">
-  <ds:schemaRefs>
-    <ds:schemaRef ds:uri="http://schemas.microsoft.com/sharepoint/v3/contenttype/forms"/>
-  </ds:schemaRefs>
-</ds:datastoreItem>
 </file>